--- a/docs/talks/201509-FPL-Tutorial/201509_LEAP_FPL_Tutorial_06_HLS_Wrapper_Example.pptx
+++ b/docs/talks/201509-FPL-Tutorial/201509_LEAP_FPL_Tutorial_06_HLS_Wrapper_Example.pptx
@@ -12477,54 +12477,14 @@
               <a:t>LEAP </a:t>
             </a:r>
             <a:r>
-              <a:rPr lang="en-US" b="1" dirty="0">
+              <a:rPr lang="en-US" b="1" dirty="0" smtClean="0">
                 <a:solidFill>
                   <a:schemeClr val="accent4">
                     <a:lumMod val="75000"/>
                   </a:schemeClr>
                 </a:solidFill>
               </a:rPr>
-              <a:t>System (leap-</a:t>
-            </a:r>
-            <a:r>
-              <a:rPr lang="en-US" b="1" dirty="0" err="1">
-                <a:solidFill>
-                  <a:schemeClr val="accent4">
-                    <a:lumMod val="75000"/>
-                  </a:schemeClr>
-                </a:solidFill>
-              </a:rPr>
-              <a:t>hls</a:t>
-            </a:r>
-            <a:r>
-              <a:rPr lang="en-US" b="1" dirty="0">
-                <a:solidFill>
-                  <a:schemeClr val="accent4">
-                    <a:lumMod val="75000"/>
-                  </a:schemeClr>
-                </a:solidFill>
-              </a:rPr>
-              <a:t>-</a:t>
-            </a:r>
-            <a:r>
-              <a:rPr lang="en-US" b="1" dirty="0" err="1">
-                <a:solidFill>
-                  <a:schemeClr val="accent4">
-                    <a:lumMod val="75000"/>
-                  </a:schemeClr>
-                </a:solidFill>
-              </a:rPr>
-              <a:t>mem-test.bsv</a:t>
-            </a:r>
-            <a:r>
-              <a:rPr lang="en-US" b="1" dirty="0">
-                <a:solidFill>
-                  <a:schemeClr val="accent4">
-                    <a:lumMod val="75000"/>
-                  </a:schemeClr>
-                </a:solidFill>
-              </a:rPr>
-              <a:t>)</a:t>
+              <a:t>System</a:t>
             </a:r>
             <a:endParaRPr lang="en-US" b="1" dirty="0" smtClean="0">
               <a:solidFill>
